--- a/content/others/vacuum/fig.pptx
+++ b/content/others/vacuum/fig.pptx
@@ -104,6 +104,11 @@
       </a:defRPr>
     </a:lvl9pPr>
   </p:defaultTextStyle>
+  <p:extLst>
+    <p:ext uri="{EFAFB233-063F-42B5-8137-9DF3F51BA10A}">
+      <p15:sldGuideLst xmlns:p15="http://schemas.microsoft.com/office/powerpoint/2012/main"/>
+    </p:ext>
+  </p:extLst>
 </p:presentation>
 </file>
 
@@ -3611,10 +3616,10 @@
       </p:grpSpPr>
       <p:grpSp>
         <p:nvGrpSpPr>
-          <p:cNvPr id="26" name="グループ化 25">
-            <a:extLst>
-              <a:ext uri="{FF2B5EF4-FFF2-40B4-BE49-F238E27FC236}">
-                <a16:creationId xmlns:a16="http://schemas.microsoft.com/office/drawing/2014/main" id="{C0CA6279-5F50-45F8-8D2E-1EE229879ADF}"/>
+          <p:cNvPr id="2" name="グループ化 1">
+            <a:extLst>
+              <a:ext uri="{FF2B5EF4-FFF2-40B4-BE49-F238E27FC236}">
+                <a16:creationId xmlns:a16="http://schemas.microsoft.com/office/drawing/2014/main" id="{3717F66E-A1DB-4979-B6EF-F558A75A0117}"/>
               </a:ext>
             </a:extLst>
           </p:cNvPr>
@@ -3623,10 +3628,10 @@
         </p:nvGrpSpPr>
         <p:grpSpPr>
           <a:xfrm>
-            <a:off x="3249054" y="723900"/>
-            <a:ext cx="6702512" cy="3807308"/>
-            <a:chOff x="3249054" y="685800"/>
-            <a:chExt cx="6702512" cy="3807308"/>
+            <a:off x="2800103" y="777031"/>
+            <a:ext cx="6162675" cy="3807308"/>
+            <a:chOff x="2800103" y="777031"/>
+            <a:chExt cx="6162675" cy="3807308"/>
           </a:xfrm>
         </p:grpSpPr>
         <p:sp>
@@ -3643,14 +3648,17 @@
           </p:nvSpPr>
           <p:spPr>
             <a:xfrm>
-              <a:off x="3333750" y="685800"/>
+              <a:off x="2800103" y="777031"/>
               <a:ext cx="6162675" cy="3807308"/>
             </a:xfrm>
             <a:prstGeom prst="rect">
               <a:avLst/>
             </a:prstGeom>
             <a:solidFill>
-              <a:schemeClr val="bg1"/>
+              <a:schemeClr val="accent5">
+                <a:lumMod val="20000"/>
+                <a:lumOff val="80000"/>
+              </a:schemeClr>
             </a:solidFill>
             <a:ln>
               <a:solidFill>
@@ -3697,14 +3705,12 @@
           </p:nvGrpSpPr>
           <p:grpSpPr>
             <a:xfrm>
-              <a:off x="3249054" y="761791"/>
-              <a:ext cx="6702512" cy="3731317"/>
+              <a:off x="2826144" y="811321"/>
+              <a:ext cx="6136634" cy="3731317"/>
               <a:chOff x="3249054" y="761791"/>
-              <a:chExt cx="6702512" cy="3731317"/>
+              <a:chExt cx="6136634" cy="3731317"/>
             </a:xfrm>
-            <a:solidFill>
-              <a:schemeClr val="bg1"/>
-            </a:solidFill>
+            <a:noFill/>
           </p:grpSpPr>
           <p:sp>
             <p:nvSpPr>
@@ -3922,8 +3928,8 @@
             </p:nvSpPr>
             <p:spPr>
               <a:xfrm>
-                <a:off x="8422005" y="3891139"/>
-                <a:ext cx="1529561" cy="461665"/>
+                <a:off x="8246472" y="4009727"/>
+                <a:ext cx="1139216" cy="461665"/>
               </a:xfrm>
               <a:prstGeom prst="rect">
                 <a:avLst/>

--- a/content/others/vacuum/fig.pptx
+++ b/content/others/vacuum/fig.pptx
@@ -6,6 +6,7 @@
   </p:sldMasterIdLst>
   <p:sldIdLst>
     <p:sldId id="256" r:id="rId2"/>
+    <p:sldId id="257" r:id="rId3"/>
   </p:sldIdLst>
   <p:sldSz cx="12192000" cy="6858000"/>
   <p:notesSz cx="6858000" cy="9144000"/>
@@ -259,7 +260,7 @@
           <a:p>
             <a:fld id="{6491CA10-9011-4F89-A069-43ACF20D9C7B}" type="datetimeFigureOut">
               <a:rPr kumimoji="1" lang="ja-JP" altLang="en-US" smtClean="0"/>
-              <a:t>2020/9/10</a:t>
+              <a:t>2022/4/29</a:t>
             </a:fld>
             <a:endParaRPr kumimoji="1" lang="ja-JP" altLang="en-US"/>
           </a:p>
@@ -489,7 +490,7 @@
           <a:p>
             <a:fld id="{6491CA10-9011-4F89-A069-43ACF20D9C7B}" type="datetimeFigureOut">
               <a:rPr kumimoji="1" lang="ja-JP" altLang="en-US" smtClean="0"/>
-              <a:t>2020/9/10</a:t>
+              <a:t>2022/4/29</a:t>
             </a:fld>
             <a:endParaRPr kumimoji="1" lang="ja-JP" altLang="en-US"/>
           </a:p>
@@ -729,7 +730,7 @@
           <a:p>
             <a:fld id="{6491CA10-9011-4F89-A069-43ACF20D9C7B}" type="datetimeFigureOut">
               <a:rPr kumimoji="1" lang="ja-JP" altLang="en-US" smtClean="0"/>
-              <a:t>2020/9/10</a:t>
+              <a:t>2022/4/29</a:t>
             </a:fld>
             <a:endParaRPr kumimoji="1" lang="ja-JP" altLang="en-US"/>
           </a:p>
@@ -959,7 +960,7 @@
           <a:p>
             <a:fld id="{6491CA10-9011-4F89-A069-43ACF20D9C7B}" type="datetimeFigureOut">
               <a:rPr kumimoji="1" lang="ja-JP" altLang="en-US" smtClean="0"/>
-              <a:t>2020/9/10</a:t>
+              <a:t>2022/4/29</a:t>
             </a:fld>
             <a:endParaRPr kumimoji="1" lang="ja-JP" altLang="en-US"/>
           </a:p>
@@ -1234,7 +1235,7 @@
           <a:p>
             <a:fld id="{6491CA10-9011-4F89-A069-43ACF20D9C7B}" type="datetimeFigureOut">
               <a:rPr kumimoji="1" lang="ja-JP" altLang="en-US" smtClean="0"/>
-              <a:t>2020/9/10</a:t>
+              <a:t>2022/4/29</a:t>
             </a:fld>
             <a:endParaRPr kumimoji="1" lang="ja-JP" altLang="en-US"/>
           </a:p>
@@ -1563,7 +1564,7 @@
           <a:p>
             <a:fld id="{6491CA10-9011-4F89-A069-43ACF20D9C7B}" type="datetimeFigureOut">
               <a:rPr kumimoji="1" lang="ja-JP" altLang="en-US" smtClean="0"/>
-              <a:t>2020/9/10</a:t>
+              <a:t>2022/4/29</a:t>
             </a:fld>
             <a:endParaRPr kumimoji="1" lang="ja-JP" altLang="en-US"/>
           </a:p>
@@ -2039,7 +2040,7 @@
           <a:p>
             <a:fld id="{6491CA10-9011-4F89-A069-43ACF20D9C7B}" type="datetimeFigureOut">
               <a:rPr kumimoji="1" lang="ja-JP" altLang="en-US" smtClean="0"/>
-              <a:t>2020/9/10</a:t>
+              <a:t>2022/4/29</a:t>
             </a:fld>
             <a:endParaRPr kumimoji="1" lang="ja-JP" altLang="en-US"/>
           </a:p>
@@ -2180,7 +2181,7 @@
           <a:p>
             <a:fld id="{6491CA10-9011-4F89-A069-43ACF20D9C7B}" type="datetimeFigureOut">
               <a:rPr kumimoji="1" lang="ja-JP" altLang="en-US" smtClean="0"/>
-              <a:t>2020/9/10</a:t>
+              <a:t>2022/4/29</a:t>
             </a:fld>
             <a:endParaRPr kumimoji="1" lang="ja-JP" altLang="en-US"/>
           </a:p>
@@ -2293,7 +2294,7 @@
           <a:p>
             <a:fld id="{6491CA10-9011-4F89-A069-43ACF20D9C7B}" type="datetimeFigureOut">
               <a:rPr kumimoji="1" lang="ja-JP" altLang="en-US" smtClean="0"/>
-              <a:t>2020/9/10</a:t>
+              <a:t>2022/4/29</a:t>
             </a:fld>
             <a:endParaRPr kumimoji="1" lang="ja-JP" altLang="en-US"/>
           </a:p>
@@ -2636,7 +2637,7 @@
           <a:p>
             <a:fld id="{6491CA10-9011-4F89-A069-43ACF20D9C7B}" type="datetimeFigureOut">
               <a:rPr kumimoji="1" lang="ja-JP" altLang="en-US" smtClean="0"/>
-              <a:t>2020/9/10</a:t>
+              <a:t>2022/4/29</a:t>
             </a:fld>
             <a:endParaRPr kumimoji="1" lang="ja-JP" altLang="en-US"/>
           </a:p>
@@ -2924,7 +2925,7 @@
           <a:p>
             <a:fld id="{6491CA10-9011-4F89-A069-43ACF20D9C7B}" type="datetimeFigureOut">
               <a:rPr kumimoji="1" lang="ja-JP" altLang="en-US" smtClean="0"/>
-              <a:t>2020/9/10</a:t>
+              <a:t>2022/4/29</a:t>
             </a:fld>
             <a:endParaRPr kumimoji="1" lang="ja-JP" altLang="en-US"/>
           </a:p>
@@ -3197,7 +3198,7 @@
           <a:p>
             <a:fld id="{6491CA10-9011-4F89-A069-43ACF20D9C7B}" type="datetimeFigureOut">
               <a:rPr kumimoji="1" lang="ja-JP" altLang="en-US" smtClean="0"/>
-              <a:t>2020/9/10</a:t>
+              <a:t>2022/4/29</a:t>
             </a:fld>
             <a:endParaRPr kumimoji="1" lang="ja-JP" altLang="en-US"/>
           </a:p>
@@ -4460,6 +4461,924 @@
 </p:sld>
 </file>
 
+<file path=ppt/slides/slide2.xml><?xml version="1.0" encoding="utf-8"?>
+<p:sld xmlns:a="http://schemas.openxmlformats.org/drawingml/2006/main" xmlns:r="http://schemas.openxmlformats.org/officeDocument/2006/relationships" xmlns:p="http://schemas.openxmlformats.org/presentationml/2006/main">
+  <p:cSld>
+    <p:spTree>
+      <p:nvGrpSpPr>
+        <p:cNvPr id="1" name=""/>
+        <p:cNvGrpSpPr/>
+        <p:nvPr/>
+      </p:nvGrpSpPr>
+      <p:grpSpPr>
+        <a:xfrm>
+          <a:off x="0" y="0"/>
+          <a:ext cx="0" cy="0"/>
+          <a:chOff x="0" y="0"/>
+          <a:chExt cx="0" cy="0"/>
+        </a:xfrm>
+      </p:grpSpPr>
+      <p:grpSp>
+        <p:nvGrpSpPr>
+          <p:cNvPr id="27" name="グループ化 26">
+            <a:extLst>
+              <a:ext uri="{FF2B5EF4-FFF2-40B4-BE49-F238E27FC236}">
+                <a16:creationId xmlns:a16="http://schemas.microsoft.com/office/drawing/2014/main" id="{A5B208C2-9389-421E-B578-4065CB39AD93}"/>
+              </a:ext>
+            </a:extLst>
+          </p:cNvPr>
+          <p:cNvGrpSpPr/>
+          <p:nvPr/>
+        </p:nvGrpSpPr>
+        <p:grpSpPr>
+          <a:xfrm>
+            <a:off x="2314371" y="798366"/>
+            <a:ext cx="6975021" cy="5560426"/>
+            <a:chOff x="2314371" y="798366"/>
+            <a:chExt cx="6975021" cy="5560426"/>
+          </a:xfrm>
+        </p:grpSpPr>
+        <p:sp>
+          <p:nvSpPr>
+            <p:cNvPr id="26" name="正方形/長方形 25">
+              <a:extLst>
+                <a:ext uri="{FF2B5EF4-FFF2-40B4-BE49-F238E27FC236}">
+                  <a16:creationId xmlns:a16="http://schemas.microsoft.com/office/drawing/2014/main" id="{8164FA30-CAB8-4344-A667-7E13D0476D81}"/>
+                </a:ext>
+              </a:extLst>
+            </p:cNvPr>
+            <p:cNvSpPr/>
+            <p:nvPr/>
+          </p:nvSpPr>
+          <p:spPr>
+            <a:xfrm>
+              <a:off x="2314371" y="798366"/>
+              <a:ext cx="6975021" cy="4541300"/>
+            </a:xfrm>
+            <a:prstGeom prst="rect">
+              <a:avLst/>
+            </a:prstGeom>
+            <a:solidFill>
+              <a:schemeClr val="accent5">
+                <a:lumMod val="20000"/>
+                <a:lumOff val="80000"/>
+              </a:schemeClr>
+            </a:solidFill>
+            <a:ln>
+              <a:solidFill>
+                <a:schemeClr val="bg1"/>
+              </a:solidFill>
+            </a:ln>
+          </p:spPr>
+          <p:style>
+            <a:lnRef idx="2">
+              <a:schemeClr val="accent1">
+                <a:shade val="50000"/>
+              </a:schemeClr>
+            </a:lnRef>
+            <a:fillRef idx="1">
+              <a:schemeClr val="accent1"/>
+            </a:fillRef>
+            <a:effectRef idx="0">
+              <a:schemeClr val="accent1"/>
+            </a:effectRef>
+            <a:fontRef idx="minor">
+              <a:schemeClr val="lt1"/>
+            </a:fontRef>
+          </p:style>
+          <p:txBody>
+            <a:bodyPr rtlCol="0" anchor="ctr"/>
+            <a:lstStyle/>
+            <a:p>
+              <a:pPr algn="ctr"/>
+              <a:endParaRPr kumimoji="1" lang="ja-JP" altLang="en-US"/>
+            </a:p>
+          </p:txBody>
+        </p:sp>
+        <p:grpSp>
+          <p:nvGrpSpPr>
+            <p:cNvPr id="25" name="グループ化 24">
+              <a:extLst>
+                <a:ext uri="{FF2B5EF4-FFF2-40B4-BE49-F238E27FC236}">
+                  <a16:creationId xmlns:a16="http://schemas.microsoft.com/office/drawing/2014/main" id="{8790ADD2-5D0D-4CB1-A884-8AA7744F06AB}"/>
+                </a:ext>
+              </a:extLst>
+            </p:cNvPr>
+            <p:cNvGrpSpPr/>
+            <p:nvPr/>
+          </p:nvGrpSpPr>
+          <p:grpSpPr>
+            <a:xfrm>
+              <a:off x="2440655" y="1194136"/>
+              <a:ext cx="6848737" cy="5164656"/>
+              <a:chOff x="2389855" y="1359236"/>
+              <a:chExt cx="6848737" cy="5164656"/>
+            </a:xfrm>
+          </p:grpSpPr>
+          <p:sp>
+            <p:nvSpPr>
+              <p:cNvPr id="5" name="正方形/長方形 4">
+                <a:extLst>
+                  <a:ext uri="{FF2B5EF4-FFF2-40B4-BE49-F238E27FC236}">
+                    <a16:creationId xmlns:a16="http://schemas.microsoft.com/office/drawing/2014/main" id="{53D28C9A-1A40-4C2D-AE15-ADA2F71EE58F}"/>
+                  </a:ext>
+                </a:extLst>
+              </p:cNvPr>
+              <p:cNvSpPr/>
+              <p:nvPr/>
+            </p:nvSpPr>
+            <p:spPr>
+              <a:xfrm flipH="1">
+                <a:off x="3687493" y="1683434"/>
+                <a:ext cx="4840458" cy="4840458"/>
+              </a:xfrm>
+              <a:prstGeom prst="rect">
+                <a:avLst/>
+              </a:prstGeom>
+              <a:solidFill>
+                <a:schemeClr val="accent6">
+                  <a:lumMod val="20000"/>
+                  <a:lumOff val="80000"/>
+                </a:schemeClr>
+              </a:solidFill>
+              <a:scene3d>
+                <a:camera prst="orthographicFront">
+                  <a:rot lat="4200000" lon="1800000" rev="1800000"/>
+                </a:camera>
+                <a:lightRig rig="threePt" dir="t"/>
+              </a:scene3d>
+            </p:spPr>
+            <p:style>
+              <a:lnRef idx="2">
+                <a:schemeClr val="accent1">
+                  <a:shade val="50000"/>
+                </a:schemeClr>
+              </a:lnRef>
+              <a:fillRef idx="1">
+                <a:schemeClr val="accent1"/>
+              </a:fillRef>
+              <a:effectRef idx="0">
+                <a:schemeClr val="accent1"/>
+              </a:effectRef>
+              <a:fontRef idx="minor">
+                <a:schemeClr val="lt1"/>
+              </a:fontRef>
+            </p:style>
+            <p:txBody>
+              <a:bodyPr rtlCol="0" anchor="ctr"/>
+              <a:lstStyle/>
+              <a:p>
+                <a:pPr algn="ctr"/>
+                <a:endParaRPr kumimoji="1" lang="ja-JP" altLang="en-US" dirty="0"/>
+              </a:p>
+            </p:txBody>
+          </p:sp>
+          <p:grpSp>
+            <p:nvGrpSpPr>
+              <p:cNvPr id="24" name="グループ化 23">
+                <a:extLst>
+                  <a:ext uri="{FF2B5EF4-FFF2-40B4-BE49-F238E27FC236}">
+                    <a16:creationId xmlns:a16="http://schemas.microsoft.com/office/drawing/2014/main" id="{88902ED7-C8B1-489B-8832-21A8DC4C7CC6}"/>
+                  </a:ext>
+                </a:extLst>
+              </p:cNvPr>
+              <p:cNvGrpSpPr/>
+              <p:nvPr/>
+            </p:nvGrpSpPr>
+            <p:grpSpPr>
+              <a:xfrm>
+                <a:off x="2389855" y="1359236"/>
+                <a:ext cx="6848737" cy="4685963"/>
+                <a:chOff x="2389855" y="1359236"/>
+                <a:chExt cx="6848737" cy="4685963"/>
+              </a:xfrm>
+            </p:grpSpPr>
+            <p:sp>
+              <p:nvSpPr>
+                <p:cNvPr id="4" name="円柱 3">
+                  <a:extLst>
+                    <a:ext uri="{FF2B5EF4-FFF2-40B4-BE49-F238E27FC236}">
+                      <a16:creationId xmlns:a16="http://schemas.microsoft.com/office/drawing/2014/main" id="{CCA55619-CE18-4D7E-9FA5-8E0D34866067}"/>
+                    </a:ext>
+                  </a:extLst>
+                </p:cNvPr>
+                <p:cNvSpPr/>
+                <p:nvPr/>
+              </p:nvSpPr>
+              <p:spPr>
+                <a:xfrm>
+                  <a:off x="4278923" y="1721534"/>
+                  <a:ext cx="3634154" cy="2614246"/>
+                </a:xfrm>
+                <a:prstGeom prst="can">
+                  <a:avLst/>
+                </a:prstGeom>
+                <a:solidFill>
+                  <a:schemeClr val="accent4">
+                    <a:lumMod val="40000"/>
+                    <a:lumOff val="60000"/>
+                  </a:schemeClr>
+                </a:solidFill>
+                <a:ln w="38100">
+                  <a:solidFill>
+                    <a:schemeClr val="accent1"/>
+                  </a:solidFill>
+                </a:ln>
+              </p:spPr>
+              <p:style>
+                <a:lnRef idx="2">
+                  <a:schemeClr val="accent1">
+                    <a:shade val="50000"/>
+                  </a:schemeClr>
+                </a:lnRef>
+                <a:fillRef idx="1">
+                  <a:schemeClr val="accent1"/>
+                </a:fillRef>
+                <a:effectRef idx="0">
+                  <a:schemeClr val="accent1"/>
+                </a:effectRef>
+                <a:fontRef idx="minor">
+                  <a:schemeClr val="lt1"/>
+                </a:fontRef>
+              </p:style>
+              <p:txBody>
+                <a:bodyPr rtlCol="0" anchor="ctr"/>
+                <a:lstStyle/>
+                <a:p>
+                  <a:pPr algn="ctr"/>
+                  <a:endParaRPr kumimoji="1" lang="ja-JP" altLang="en-US" dirty="0"/>
+                </a:p>
+              </p:txBody>
+            </p:sp>
+            <p:sp>
+              <p:nvSpPr>
+                <p:cNvPr id="6" name="楕円 5">
+                  <a:extLst>
+                    <a:ext uri="{FF2B5EF4-FFF2-40B4-BE49-F238E27FC236}">
+                      <a16:creationId xmlns:a16="http://schemas.microsoft.com/office/drawing/2014/main" id="{9F6DDBFD-BA0C-4D06-94AE-F209374E94BC}"/>
+                    </a:ext>
+                  </a:extLst>
+                </p:cNvPr>
+                <p:cNvSpPr/>
+                <p:nvPr/>
+              </p:nvSpPr>
+              <p:spPr>
+                <a:xfrm>
+                  <a:off x="4278923" y="3702734"/>
+                  <a:ext cx="3634153" cy="633046"/>
+                </a:xfrm>
+                <a:prstGeom prst="ellipse">
+                  <a:avLst/>
+                </a:prstGeom>
+                <a:solidFill>
+                  <a:schemeClr val="accent4">
+                    <a:lumMod val="20000"/>
+                    <a:lumOff val="80000"/>
+                    <a:alpha val="40000"/>
+                  </a:schemeClr>
+                </a:solidFill>
+                <a:ln>
+                  <a:solidFill>
+                    <a:schemeClr val="accent1"/>
+                  </a:solidFill>
+                  <a:prstDash val="dash"/>
+                </a:ln>
+              </p:spPr>
+              <p:style>
+                <a:lnRef idx="2">
+                  <a:schemeClr val="accent1">
+                    <a:shade val="50000"/>
+                  </a:schemeClr>
+                </a:lnRef>
+                <a:fillRef idx="1">
+                  <a:schemeClr val="accent1"/>
+                </a:fillRef>
+                <a:effectRef idx="0">
+                  <a:schemeClr val="accent1"/>
+                </a:effectRef>
+                <a:fontRef idx="minor">
+                  <a:schemeClr val="lt1"/>
+                </a:fontRef>
+              </p:style>
+              <p:txBody>
+                <a:bodyPr rtlCol="0" anchor="ctr"/>
+                <a:lstStyle/>
+                <a:p>
+                  <a:pPr algn="ctr"/>
+                  <a:endParaRPr kumimoji="1" lang="ja-JP" altLang="en-US"/>
+                </a:p>
+              </p:txBody>
+            </p:sp>
+            <p:sp>
+              <p:nvSpPr>
+                <p:cNvPr id="7" name="楕円 6">
+                  <a:extLst>
+                    <a:ext uri="{FF2B5EF4-FFF2-40B4-BE49-F238E27FC236}">
+                      <a16:creationId xmlns:a16="http://schemas.microsoft.com/office/drawing/2014/main" id="{B0FC2DC1-7C7A-46C4-8E07-AFC7D232A52F}"/>
+                    </a:ext>
+                  </a:extLst>
+                </p:cNvPr>
+                <p:cNvSpPr/>
+                <p:nvPr/>
+              </p:nvSpPr>
+              <p:spPr>
+                <a:xfrm>
+                  <a:off x="6540500" y="2553384"/>
+                  <a:ext cx="317500" cy="317500"/>
+                </a:xfrm>
+                <a:prstGeom prst="ellipse">
+                  <a:avLst/>
+                </a:prstGeom>
+                <a:solidFill>
+                  <a:schemeClr val="accent1">
+                    <a:alpha val="70000"/>
+                  </a:schemeClr>
+                </a:solidFill>
+                <a:ln>
+                  <a:solidFill>
+                    <a:schemeClr val="accent1"/>
+                  </a:solidFill>
+                </a:ln>
+              </p:spPr>
+              <p:style>
+                <a:lnRef idx="2">
+                  <a:schemeClr val="accent1">
+                    <a:shade val="50000"/>
+                  </a:schemeClr>
+                </a:lnRef>
+                <a:fillRef idx="1">
+                  <a:schemeClr val="accent1"/>
+                </a:fillRef>
+                <a:effectRef idx="0">
+                  <a:schemeClr val="accent1"/>
+                </a:effectRef>
+                <a:fontRef idx="minor">
+                  <a:schemeClr val="lt1"/>
+                </a:fontRef>
+              </p:style>
+              <p:txBody>
+                <a:bodyPr rtlCol="0" anchor="ctr"/>
+                <a:lstStyle/>
+                <a:p>
+                  <a:pPr algn="ctr"/>
+                  <a:endParaRPr kumimoji="1" lang="ja-JP" altLang="en-US"/>
+                </a:p>
+              </p:txBody>
+            </p:sp>
+            <p:cxnSp>
+              <p:nvCxnSpPr>
+                <p:cNvPr id="9" name="直線矢印コネクタ 8">
+                  <a:extLst>
+                    <a:ext uri="{FF2B5EF4-FFF2-40B4-BE49-F238E27FC236}">
+                      <a16:creationId xmlns:a16="http://schemas.microsoft.com/office/drawing/2014/main" id="{7AAE8F63-5EF1-4645-AEDC-A9B51E678669}"/>
+                    </a:ext>
+                  </a:extLst>
+                </p:cNvPr>
+                <p:cNvCxnSpPr/>
+                <p:nvPr/>
+              </p:nvCxnSpPr>
+              <p:spPr>
+                <a:xfrm flipH="1">
+                  <a:off x="5765262" y="2691716"/>
+                  <a:ext cx="933450" cy="499159"/>
+                </a:xfrm>
+                <a:prstGeom prst="straightConnector1">
+                  <a:avLst/>
+                </a:prstGeom>
+                <a:ln w="28575">
+                  <a:tailEnd type="triangle"/>
+                </a:ln>
+              </p:spPr>
+              <p:style>
+                <a:lnRef idx="1">
+                  <a:schemeClr val="accent1"/>
+                </a:lnRef>
+                <a:fillRef idx="0">
+                  <a:schemeClr val="accent1"/>
+                </a:fillRef>
+                <a:effectRef idx="0">
+                  <a:schemeClr val="accent1"/>
+                </a:effectRef>
+                <a:fontRef idx="minor">
+                  <a:schemeClr val="tx1"/>
+                </a:fontRef>
+              </p:style>
+            </p:cxnSp>
+            <p:cxnSp>
+              <p:nvCxnSpPr>
+                <p:cNvPr id="11" name="直線矢印コネクタ 10">
+                  <a:extLst>
+                    <a:ext uri="{FF2B5EF4-FFF2-40B4-BE49-F238E27FC236}">
+                      <a16:creationId xmlns:a16="http://schemas.microsoft.com/office/drawing/2014/main" id="{3855A0DD-8803-4C10-BCB8-A4E25DB4ECDA}"/>
+                    </a:ext>
+                  </a:extLst>
+                </p:cNvPr>
+                <p:cNvCxnSpPr>
+                  <a:cxnSpLocks/>
+                </p:cNvCxnSpPr>
+                <p:nvPr/>
+              </p:nvCxnSpPr>
+              <p:spPr>
+                <a:xfrm>
+                  <a:off x="6698712" y="2691716"/>
+                  <a:ext cx="0" cy="499159"/>
+                </a:xfrm>
+                <a:prstGeom prst="straightConnector1">
+                  <a:avLst/>
+                </a:prstGeom>
+                <a:ln w="28575">
+                  <a:tailEnd type="triangle"/>
+                </a:ln>
+              </p:spPr>
+              <p:style>
+                <a:lnRef idx="1">
+                  <a:schemeClr val="accent1"/>
+                </a:lnRef>
+                <a:fillRef idx="0">
+                  <a:schemeClr val="accent1"/>
+                </a:fillRef>
+                <a:effectRef idx="0">
+                  <a:schemeClr val="accent1"/>
+                </a:effectRef>
+                <a:fontRef idx="minor">
+                  <a:schemeClr val="tx1"/>
+                </a:fontRef>
+              </p:style>
+            </p:cxnSp>
+            <p:sp>
+              <p:nvSpPr>
+                <p:cNvPr id="13" name="円弧 12">
+                  <a:extLst>
+                    <a:ext uri="{FF2B5EF4-FFF2-40B4-BE49-F238E27FC236}">
+                      <a16:creationId xmlns:a16="http://schemas.microsoft.com/office/drawing/2014/main" id="{543D61FE-5946-4A36-9EC4-CEBC4E52608C}"/>
+                    </a:ext>
+                  </a:extLst>
+                </p:cNvPr>
+                <p:cNvSpPr/>
+                <p:nvPr/>
+              </p:nvSpPr>
+              <p:spPr>
+                <a:xfrm>
+                  <a:off x="5628126" y="4161056"/>
+                  <a:ext cx="1229873" cy="1884143"/>
+                </a:xfrm>
+                <a:prstGeom prst="arc">
+                  <a:avLst/>
+                </a:prstGeom>
+                <a:ln>
+                  <a:headEnd type="arrow" w="med" len="med"/>
+                  <a:tailEnd type="none" w="med" len="med"/>
+                </a:ln>
+              </p:spPr>
+              <p:style>
+                <a:lnRef idx="1">
+                  <a:schemeClr val="accent1"/>
+                </a:lnRef>
+                <a:fillRef idx="0">
+                  <a:schemeClr val="accent1"/>
+                </a:fillRef>
+                <a:effectRef idx="0">
+                  <a:schemeClr val="accent1"/>
+                </a:effectRef>
+                <a:fontRef idx="minor">
+                  <a:schemeClr val="tx1"/>
+                </a:fontRef>
+              </p:style>
+              <p:txBody>
+                <a:bodyPr rtlCol="0" anchor="ctr"/>
+                <a:lstStyle/>
+                <a:p>
+                  <a:pPr algn="ctr"/>
+                  <a:endParaRPr kumimoji="1" lang="ja-JP" altLang="en-US"/>
+                </a:p>
+              </p:txBody>
+            </p:sp>
+            <p:sp>
+              <p:nvSpPr>
+                <p:cNvPr id="14" name="テキスト ボックス 13">
+                  <a:extLst>
+                    <a:ext uri="{FF2B5EF4-FFF2-40B4-BE49-F238E27FC236}">
+                      <a16:creationId xmlns:a16="http://schemas.microsoft.com/office/drawing/2014/main" id="{44ECA443-C889-41FE-B602-DB3CF7F1DC87}"/>
+                    </a:ext>
+                  </a:extLst>
+                </p:cNvPr>
+                <p:cNvSpPr txBox="1"/>
+                <p:nvPr/>
+              </p:nvSpPr>
+              <p:spPr>
+                <a:xfrm>
+                  <a:off x="6410893" y="5060504"/>
+                  <a:ext cx="854721" cy="369332"/>
+                </a:xfrm>
+                <a:prstGeom prst="rect">
+                  <a:avLst/>
+                </a:prstGeom>
+                <a:noFill/>
+              </p:spPr>
+              <p:txBody>
+                <a:bodyPr wrap="none" rtlCol="0">
+                  <a:spAutoFit/>
+                </a:bodyPr>
+                <a:lstStyle/>
+                <a:p>
+                  <a:r>
+                    <a:rPr kumimoji="1" lang="ja-JP" altLang="en-US" dirty="0">
+                      <a:latin typeface="Segoe UI" panose="020B0502040204020203" pitchFamily="34" charset="0"/>
+                      <a:cs typeface="Segoe UI" panose="020B0502040204020203" pitchFamily="34" charset="0"/>
+                    </a:rPr>
+                    <a:t>面積 </a:t>
+                  </a:r>
+                  <a:r>
+                    <a:rPr kumimoji="1" lang="en-US" altLang="ja-JP" i="1" dirty="0">
+                      <a:latin typeface="Segoe UI" panose="020B0502040204020203" pitchFamily="34" charset="0"/>
+                      <a:cs typeface="Segoe UI" panose="020B0502040204020203" pitchFamily="34" charset="0"/>
+                    </a:rPr>
+                    <a:t>A</a:t>
+                  </a:r>
+                  <a:endParaRPr kumimoji="1" lang="ja-JP" altLang="en-US" i="1" dirty="0">
+                    <a:latin typeface="Segoe UI" panose="020B0502040204020203" pitchFamily="34" charset="0"/>
+                    <a:cs typeface="Segoe UI" panose="020B0502040204020203" pitchFamily="34" charset="0"/>
+                  </a:endParaRPr>
+                </a:p>
+              </p:txBody>
+            </p:sp>
+            <p:sp>
+              <p:nvSpPr>
+                <p:cNvPr id="15" name="テキスト ボックス 14">
+                  <a:extLst>
+                    <a:ext uri="{FF2B5EF4-FFF2-40B4-BE49-F238E27FC236}">
+                      <a16:creationId xmlns:a16="http://schemas.microsoft.com/office/drawing/2014/main" id="{028C0CFB-7523-4762-8C92-8A33FE897876}"/>
+                    </a:ext>
+                  </a:extLst>
+                </p:cNvPr>
+                <p:cNvSpPr txBox="1"/>
+                <p:nvPr/>
+              </p:nvSpPr>
+              <p:spPr>
+                <a:xfrm>
+                  <a:off x="7749361" y="1359236"/>
+                  <a:ext cx="853119" cy="369332"/>
+                </a:xfrm>
+                <a:prstGeom prst="rect">
+                  <a:avLst/>
+                </a:prstGeom>
+                <a:noFill/>
+              </p:spPr>
+              <p:txBody>
+                <a:bodyPr wrap="none" rtlCol="0">
+                  <a:spAutoFit/>
+                </a:bodyPr>
+                <a:lstStyle/>
+                <a:p>
+                  <a:r>
+                    <a:rPr kumimoji="1" lang="ja-JP" altLang="en-US" dirty="0">
+                      <a:latin typeface="Segoe UI" panose="020B0502040204020203" pitchFamily="34" charset="0"/>
+                      <a:cs typeface="Segoe UI" panose="020B0502040204020203" pitchFamily="34" charset="0"/>
+                    </a:rPr>
+                    <a:t>体積 </a:t>
+                  </a:r>
+                  <a:r>
+                    <a:rPr kumimoji="1" lang="en-US" altLang="ja-JP" i="1" dirty="0">
+                      <a:latin typeface="Segoe UI" panose="020B0502040204020203" pitchFamily="34" charset="0"/>
+                      <a:cs typeface="Segoe UI" panose="020B0502040204020203" pitchFamily="34" charset="0"/>
+                    </a:rPr>
+                    <a:t>V</a:t>
+                  </a:r>
+                  <a:endParaRPr kumimoji="1" lang="ja-JP" altLang="en-US" i="1" dirty="0">
+                    <a:latin typeface="Segoe UI" panose="020B0502040204020203" pitchFamily="34" charset="0"/>
+                    <a:cs typeface="Segoe UI" panose="020B0502040204020203" pitchFamily="34" charset="0"/>
+                  </a:endParaRPr>
+                </a:p>
+              </p:txBody>
+            </p:sp>
+            <p:sp>
+              <p:nvSpPr>
+                <p:cNvPr id="16" name="円弧 15">
+                  <a:extLst>
+                    <a:ext uri="{FF2B5EF4-FFF2-40B4-BE49-F238E27FC236}">
+                      <a16:creationId xmlns:a16="http://schemas.microsoft.com/office/drawing/2014/main" id="{0A194126-0950-4718-AEBF-F511CBE842E1}"/>
+                    </a:ext>
+                  </a:extLst>
+                </p:cNvPr>
+                <p:cNvSpPr/>
+                <p:nvPr/>
+              </p:nvSpPr>
+              <p:spPr>
+                <a:xfrm rot="17402895">
+                  <a:off x="6891750" y="1098596"/>
+                  <a:ext cx="1229873" cy="1884143"/>
+                </a:xfrm>
+                <a:prstGeom prst="arc">
+                  <a:avLst/>
+                </a:prstGeom>
+                <a:ln>
+                  <a:headEnd type="arrow" w="med" len="med"/>
+                  <a:tailEnd type="none" w="med" len="med"/>
+                </a:ln>
+              </p:spPr>
+              <p:style>
+                <a:lnRef idx="1">
+                  <a:schemeClr val="accent1"/>
+                </a:lnRef>
+                <a:fillRef idx="0">
+                  <a:schemeClr val="accent1"/>
+                </a:fillRef>
+                <a:effectRef idx="0">
+                  <a:schemeClr val="accent1"/>
+                </a:effectRef>
+                <a:fontRef idx="minor">
+                  <a:schemeClr val="tx1"/>
+                </a:fontRef>
+              </p:style>
+              <p:txBody>
+                <a:bodyPr rtlCol="0" anchor="ctr"/>
+                <a:lstStyle/>
+                <a:p>
+                  <a:pPr algn="ctr"/>
+                  <a:endParaRPr kumimoji="1" lang="ja-JP" altLang="en-US"/>
+                </a:p>
+              </p:txBody>
+            </p:sp>
+            <p:sp>
+              <p:nvSpPr>
+                <p:cNvPr id="17" name="正方形/長方形 16">
+                  <a:extLst>
+                    <a:ext uri="{FF2B5EF4-FFF2-40B4-BE49-F238E27FC236}">
+                      <a16:creationId xmlns:a16="http://schemas.microsoft.com/office/drawing/2014/main" id="{97368B09-4A8D-4925-870F-F250EDD5C19C}"/>
+                    </a:ext>
+                  </a:extLst>
+                </p:cNvPr>
+                <p:cNvSpPr/>
+                <p:nvPr/>
+              </p:nvSpPr>
+              <p:spPr>
+                <a:xfrm>
+                  <a:off x="5456266" y="2978010"/>
+                  <a:ext cx="402674" cy="646331"/>
+                </a:xfrm>
+                <a:prstGeom prst="rect">
+                  <a:avLst/>
+                </a:prstGeom>
+              </p:spPr>
+              <p:txBody>
+                <a:bodyPr wrap="none">
+                  <a:spAutoFit/>
+                </a:bodyPr>
+                <a:lstStyle/>
+                <a:p>
+                  <a:r>
+                    <a:rPr lang="en-US" altLang="ja-JP" sz="3600" i="1" dirty="0">
+                      <a:latin typeface="Segoe UI" panose="020B0502040204020203" pitchFamily="34" charset="0"/>
+                      <a:cs typeface="Segoe UI" panose="020B0502040204020203" pitchFamily="34" charset="0"/>
+                    </a:rPr>
+                    <a:t>v</a:t>
+                  </a:r>
+                  <a:endParaRPr lang="ja-JP" altLang="en-US" sz="3600" dirty="0"/>
+                </a:p>
+              </p:txBody>
+            </p:sp>
+            <p:sp>
+              <p:nvSpPr>
+                <p:cNvPr id="18" name="正方形/長方形 17">
+                  <a:extLst>
+                    <a:ext uri="{FF2B5EF4-FFF2-40B4-BE49-F238E27FC236}">
+                      <a16:creationId xmlns:a16="http://schemas.microsoft.com/office/drawing/2014/main" id="{69D2D246-AA89-4D7B-8252-B2CC6B807054}"/>
+                    </a:ext>
+                  </a:extLst>
+                </p:cNvPr>
+                <p:cNvSpPr/>
+                <p:nvPr/>
+              </p:nvSpPr>
+              <p:spPr>
+                <a:xfrm>
+                  <a:off x="6701883" y="2950260"/>
+                  <a:ext cx="542136" cy="646331"/>
+                </a:xfrm>
+                <a:prstGeom prst="rect">
+                  <a:avLst/>
+                </a:prstGeom>
+              </p:spPr>
+              <p:txBody>
+                <a:bodyPr wrap="none">
+                  <a:spAutoFit/>
+                </a:bodyPr>
+                <a:lstStyle/>
+                <a:p>
+                  <a:r>
+                    <a:rPr lang="en-US" altLang="ja-JP" sz="3600" i="1" dirty="0" err="1">
+                      <a:latin typeface="Segoe UI" panose="020B0502040204020203" pitchFamily="34" charset="0"/>
+                      <a:cs typeface="Segoe UI" panose="020B0502040204020203" pitchFamily="34" charset="0"/>
+                    </a:rPr>
+                    <a:t>v</a:t>
+                  </a:r>
+                  <a:r>
+                    <a:rPr lang="en-US" altLang="ja-JP" sz="3600" baseline="-25000" dirty="0" err="1">
+                      <a:latin typeface="Segoe UI" panose="020B0502040204020203" pitchFamily="34" charset="0"/>
+                      <a:cs typeface="Segoe UI" panose="020B0502040204020203" pitchFamily="34" charset="0"/>
+                    </a:rPr>
+                    <a:t>x</a:t>
+                  </a:r>
+                  <a:endParaRPr lang="ja-JP" altLang="en-US" sz="3600" baseline="-25000" dirty="0"/>
+                </a:p>
+              </p:txBody>
+            </p:sp>
+            <p:cxnSp>
+              <p:nvCxnSpPr>
+                <p:cNvPr id="20" name="直線矢印コネクタ 19">
+                  <a:extLst>
+                    <a:ext uri="{FF2B5EF4-FFF2-40B4-BE49-F238E27FC236}">
+                      <a16:creationId xmlns:a16="http://schemas.microsoft.com/office/drawing/2014/main" id="{9BA694CD-D8FF-44A1-A54D-FFFD64EE9340}"/>
+                    </a:ext>
+                  </a:extLst>
+                </p:cNvPr>
+                <p:cNvCxnSpPr/>
+                <p:nvPr/>
+              </p:nvCxnSpPr>
+              <p:spPr>
+                <a:xfrm>
+                  <a:off x="2882900" y="1508411"/>
+                  <a:ext cx="0" cy="2939198"/>
+                </a:xfrm>
+                <a:prstGeom prst="straightConnector1">
+                  <a:avLst/>
+                </a:prstGeom>
+                <a:ln>
+                  <a:tailEnd type="triangle"/>
+                </a:ln>
+              </p:spPr>
+              <p:style>
+                <a:lnRef idx="1">
+                  <a:schemeClr val="accent1"/>
+                </a:lnRef>
+                <a:fillRef idx="0">
+                  <a:schemeClr val="accent1"/>
+                </a:fillRef>
+                <a:effectRef idx="0">
+                  <a:schemeClr val="accent1"/>
+                </a:effectRef>
+                <a:fontRef idx="minor">
+                  <a:schemeClr val="tx1"/>
+                </a:fontRef>
+              </p:style>
+            </p:cxnSp>
+            <p:sp>
+              <p:nvSpPr>
+                <p:cNvPr id="21" name="正方形/長方形 20">
+                  <a:extLst>
+                    <a:ext uri="{FF2B5EF4-FFF2-40B4-BE49-F238E27FC236}">
+                      <a16:creationId xmlns:a16="http://schemas.microsoft.com/office/drawing/2014/main" id="{2C087553-188A-4F37-92BD-AEB2FB88E3F9}"/>
+                    </a:ext>
+                  </a:extLst>
+                </p:cNvPr>
+                <p:cNvSpPr/>
+                <p:nvPr/>
+              </p:nvSpPr>
+              <p:spPr>
+                <a:xfrm>
+                  <a:off x="2389855" y="4124443"/>
+                  <a:ext cx="394660" cy="646331"/>
+                </a:xfrm>
+                <a:prstGeom prst="rect">
+                  <a:avLst/>
+                </a:prstGeom>
+              </p:spPr>
+              <p:txBody>
+                <a:bodyPr wrap="none">
+                  <a:spAutoFit/>
+                </a:bodyPr>
+                <a:lstStyle/>
+                <a:p>
+                  <a:r>
+                    <a:rPr lang="en-US" altLang="ja-JP" sz="3600" i="1" dirty="0">
+                      <a:latin typeface="Segoe UI" panose="020B0502040204020203" pitchFamily="34" charset="0"/>
+                      <a:cs typeface="Segoe UI" panose="020B0502040204020203" pitchFamily="34" charset="0"/>
+                    </a:rPr>
+                    <a:t>x</a:t>
+                  </a:r>
+                  <a:endParaRPr lang="ja-JP" altLang="en-US" sz="3600" dirty="0"/>
+                </a:p>
+              </p:txBody>
+            </p:sp>
+            <p:sp>
+              <p:nvSpPr>
+                <p:cNvPr id="22" name="左中かっこ 21">
+                  <a:extLst>
+                    <a:ext uri="{FF2B5EF4-FFF2-40B4-BE49-F238E27FC236}">
+                      <a16:creationId xmlns:a16="http://schemas.microsoft.com/office/drawing/2014/main" id="{92BAB5E6-98DE-43A6-9A27-7B8A1EC78359}"/>
+                    </a:ext>
+                  </a:extLst>
+                </p:cNvPr>
+                <p:cNvSpPr/>
+                <p:nvPr/>
+              </p:nvSpPr>
+              <p:spPr>
+                <a:xfrm flipH="1">
+                  <a:off x="7943787" y="1930400"/>
+                  <a:ext cx="406420" cy="2243356"/>
+                </a:xfrm>
+                <a:prstGeom prst="leftBrace">
+                  <a:avLst/>
+                </a:prstGeom>
+                <a:ln w="19050"/>
+              </p:spPr>
+              <p:style>
+                <a:lnRef idx="1">
+                  <a:schemeClr val="accent1"/>
+                </a:lnRef>
+                <a:fillRef idx="0">
+                  <a:schemeClr val="accent1"/>
+                </a:fillRef>
+                <a:effectRef idx="0">
+                  <a:schemeClr val="accent1"/>
+                </a:effectRef>
+                <a:fontRef idx="minor">
+                  <a:schemeClr val="tx1"/>
+                </a:fontRef>
+              </p:style>
+              <p:txBody>
+                <a:bodyPr rtlCol="0" anchor="ctr"/>
+                <a:lstStyle/>
+                <a:p>
+                  <a:pPr algn="ctr"/>
+                  <a:endParaRPr kumimoji="1" lang="ja-JP" altLang="en-US"/>
+                </a:p>
+              </p:txBody>
+            </p:sp>
+            <p:sp>
+              <p:nvSpPr>
+                <p:cNvPr id="23" name="正方形/長方形 22">
+                  <a:extLst>
+                    <a:ext uri="{FF2B5EF4-FFF2-40B4-BE49-F238E27FC236}">
+                      <a16:creationId xmlns:a16="http://schemas.microsoft.com/office/drawing/2014/main" id="{C1CFAFC3-E732-457A-956C-63D2E1090A2B}"/>
+                    </a:ext>
+                  </a:extLst>
+                </p:cNvPr>
+                <p:cNvSpPr/>
+                <p:nvPr/>
+              </p:nvSpPr>
+              <p:spPr>
+                <a:xfrm>
+                  <a:off x="8350207" y="2737124"/>
+                  <a:ext cx="888385" cy="584775"/>
+                </a:xfrm>
+                <a:prstGeom prst="rect">
+                  <a:avLst/>
+                </a:prstGeom>
+              </p:spPr>
+              <p:txBody>
+                <a:bodyPr wrap="none">
+                  <a:spAutoFit/>
+                </a:bodyPr>
+                <a:lstStyle/>
+                <a:p>
+                  <a:r>
+                    <a:rPr lang="en-US" altLang="ja-JP" sz="3200" i="1" dirty="0" err="1">
+                      <a:latin typeface="Segoe UI" panose="020B0502040204020203" pitchFamily="34" charset="0"/>
+                      <a:cs typeface="Segoe UI" panose="020B0502040204020203" pitchFamily="34" charset="0"/>
+                    </a:rPr>
+                    <a:t>v</a:t>
+                  </a:r>
+                  <a:r>
+                    <a:rPr lang="en-US" altLang="ja-JP" sz="3200" baseline="-25000" dirty="0" err="1">
+                      <a:latin typeface="Segoe UI" panose="020B0502040204020203" pitchFamily="34" charset="0"/>
+                      <a:cs typeface="Segoe UI" panose="020B0502040204020203" pitchFamily="34" charset="0"/>
+                    </a:rPr>
+                    <a:t>x</a:t>
+                  </a:r>
+                  <a:r>
+                    <a:rPr lang="en-US" altLang="ja-JP" sz="3200" i="1" dirty="0" err="1">
+                      <a:latin typeface="Symbol" panose="05050102010706020507" pitchFamily="18" charset="2"/>
+                      <a:cs typeface="Segoe UI" panose="020B0502040204020203" pitchFamily="34" charset="0"/>
+                    </a:rPr>
+                    <a:t>D</a:t>
+                  </a:r>
+                  <a:r>
+                    <a:rPr lang="en-US" altLang="ja-JP" sz="3200" i="1" dirty="0" err="1">
+                      <a:latin typeface="Segoe UI" panose="020B0502040204020203" pitchFamily="34" charset="0"/>
+                      <a:cs typeface="Segoe UI" panose="020B0502040204020203" pitchFamily="34" charset="0"/>
+                    </a:rPr>
+                    <a:t>t</a:t>
+                  </a:r>
+                  <a:endParaRPr lang="ja-JP" altLang="en-US" sz="3200" baseline="-25000" dirty="0"/>
+                </a:p>
+              </p:txBody>
+            </p:sp>
+          </p:grpSp>
+        </p:grpSp>
+      </p:grpSp>
+    </p:spTree>
+    <p:extLst>
+      <p:ext uri="{BB962C8B-B14F-4D97-AF65-F5344CB8AC3E}">
+        <p14:creationId xmlns:p14="http://schemas.microsoft.com/office/powerpoint/2010/main" val="220991559"/>
+      </p:ext>
+    </p:extLst>
+  </p:cSld>
+  <p:clrMapOvr>
+    <a:masterClrMapping/>
+  </p:clrMapOvr>
+</p:sld>
+</file>
+
 <file path=ppt/theme/theme1.xml><?xml version="1.0" encoding="utf-8"?>
 <a:theme xmlns:a="http://schemas.openxmlformats.org/drawingml/2006/main" name="Office テーマ">
   <a:themeElements>

--- a/content/others/vacuum/fig.pptx
+++ b/content/others/vacuum/fig.pptx
@@ -7,6 +7,7 @@
   <p:sldIdLst>
     <p:sldId id="256" r:id="rId2"/>
     <p:sldId id="257" r:id="rId3"/>
+    <p:sldId id="258" r:id="rId4"/>
   </p:sldIdLst>
   <p:sldSz cx="12192000" cy="6858000"/>
   <p:notesSz cx="6858000" cy="9144000"/>
@@ -5379,6 +5380,1016 @@
 </p:sld>
 </file>
 
+<file path=ppt/slides/slide3.xml><?xml version="1.0" encoding="utf-8"?>
+<p:sld xmlns:a="http://schemas.openxmlformats.org/drawingml/2006/main" xmlns:r="http://schemas.openxmlformats.org/officeDocument/2006/relationships" xmlns:p="http://schemas.openxmlformats.org/presentationml/2006/main">
+  <p:cSld>
+    <p:spTree>
+      <p:nvGrpSpPr>
+        <p:cNvPr id="1" name=""/>
+        <p:cNvGrpSpPr/>
+        <p:nvPr/>
+      </p:nvGrpSpPr>
+      <p:grpSpPr>
+        <a:xfrm>
+          <a:off x="0" y="0"/>
+          <a:ext cx="0" cy="0"/>
+          <a:chOff x="0" y="0"/>
+          <a:chExt cx="0" cy="0"/>
+        </a:xfrm>
+      </p:grpSpPr>
+      <p:sp>
+        <p:nvSpPr>
+          <p:cNvPr id="5" name="正方形/長方形 4">
+            <a:extLst>
+              <a:ext uri="{FF2B5EF4-FFF2-40B4-BE49-F238E27FC236}">
+                <a16:creationId xmlns:a16="http://schemas.microsoft.com/office/drawing/2014/main" id="{76A453A3-7B3B-43A8-A3DB-387DE2084093}"/>
+              </a:ext>
+            </a:extLst>
+          </p:cNvPr>
+          <p:cNvSpPr/>
+          <p:nvPr/>
+        </p:nvSpPr>
+        <p:spPr>
+          <a:xfrm>
+            <a:off x="2492703" y="1102672"/>
+            <a:ext cx="6975021" cy="5256120"/>
+          </a:xfrm>
+          <a:prstGeom prst="rect">
+            <a:avLst/>
+          </a:prstGeom>
+          <a:solidFill>
+            <a:schemeClr val="accent5">
+              <a:lumMod val="20000"/>
+              <a:lumOff val="80000"/>
+            </a:schemeClr>
+          </a:solidFill>
+          <a:ln>
+            <a:solidFill>
+              <a:schemeClr val="bg1"/>
+            </a:solidFill>
+          </a:ln>
+        </p:spPr>
+        <p:style>
+          <a:lnRef idx="2">
+            <a:schemeClr val="accent1">
+              <a:shade val="50000"/>
+            </a:schemeClr>
+          </a:lnRef>
+          <a:fillRef idx="1">
+            <a:schemeClr val="accent1"/>
+          </a:fillRef>
+          <a:effectRef idx="0">
+            <a:schemeClr val="accent1"/>
+          </a:effectRef>
+          <a:fontRef idx="minor">
+            <a:schemeClr val="lt1"/>
+          </a:fontRef>
+        </p:style>
+        <p:txBody>
+          <a:bodyPr rtlCol="0" anchor="ctr"/>
+          <a:lstStyle/>
+          <a:p>
+            <a:pPr algn="ctr"/>
+            <a:endParaRPr kumimoji="1" lang="ja-JP" altLang="en-US"/>
+          </a:p>
+        </p:txBody>
+      </p:sp>
+      <p:sp>
+        <p:nvSpPr>
+          <p:cNvPr id="24" name="円柱 23">
+            <a:extLst>
+              <a:ext uri="{FF2B5EF4-FFF2-40B4-BE49-F238E27FC236}">
+                <a16:creationId xmlns:a16="http://schemas.microsoft.com/office/drawing/2014/main" id="{A8D40441-9F82-410E-9D00-817A7DD7F2C4}"/>
+              </a:ext>
+            </a:extLst>
+          </p:cNvPr>
+          <p:cNvSpPr/>
+          <p:nvPr/>
+        </p:nvSpPr>
+        <p:spPr>
+          <a:xfrm>
+            <a:off x="4329722" y="3461434"/>
+            <a:ext cx="3634154" cy="2614246"/>
+          </a:xfrm>
+          <a:prstGeom prst="can">
+            <a:avLst/>
+          </a:prstGeom>
+          <a:solidFill>
+            <a:schemeClr val="accent4">
+              <a:lumMod val="40000"/>
+              <a:lumOff val="60000"/>
+              <a:alpha val="50000"/>
+            </a:schemeClr>
+          </a:solidFill>
+          <a:ln w="38100">
+            <a:solidFill>
+              <a:schemeClr val="accent1"/>
+            </a:solidFill>
+            <a:prstDash val="sysDash"/>
+          </a:ln>
+        </p:spPr>
+        <p:style>
+          <a:lnRef idx="2">
+            <a:schemeClr val="accent1">
+              <a:shade val="50000"/>
+            </a:schemeClr>
+          </a:lnRef>
+          <a:fillRef idx="1">
+            <a:schemeClr val="accent1"/>
+          </a:fillRef>
+          <a:effectRef idx="0">
+            <a:schemeClr val="accent1"/>
+          </a:effectRef>
+          <a:fontRef idx="minor">
+            <a:schemeClr val="lt1"/>
+          </a:fontRef>
+        </p:style>
+        <p:txBody>
+          <a:bodyPr rtlCol="0" anchor="ctr"/>
+          <a:lstStyle/>
+          <a:p>
+            <a:pPr algn="ctr"/>
+            <a:endParaRPr kumimoji="1" lang="ja-JP" altLang="en-US" dirty="0"/>
+          </a:p>
+        </p:txBody>
+      </p:sp>
+      <p:sp>
+        <p:nvSpPr>
+          <p:cNvPr id="7" name="正方形/長方形 6">
+            <a:extLst>
+              <a:ext uri="{FF2B5EF4-FFF2-40B4-BE49-F238E27FC236}">
+                <a16:creationId xmlns:a16="http://schemas.microsoft.com/office/drawing/2014/main" id="{170A7936-6EAE-4D97-AEFB-B496CAB88C2B}"/>
+              </a:ext>
+            </a:extLst>
+          </p:cNvPr>
+          <p:cNvSpPr/>
+          <p:nvPr/>
+        </p:nvSpPr>
+        <p:spPr>
+          <a:xfrm flipH="1">
+            <a:off x="3738293" y="1518334"/>
+            <a:ext cx="4840458" cy="4840458"/>
+          </a:xfrm>
+          <a:prstGeom prst="rect">
+            <a:avLst/>
+          </a:prstGeom>
+          <a:solidFill>
+            <a:schemeClr val="accent6">
+              <a:lumMod val="20000"/>
+              <a:lumOff val="80000"/>
+              <a:alpha val="50000"/>
+            </a:schemeClr>
+          </a:solidFill>
+          <a:scene3d>
+            <a:camera prst="orthographicFront">
+              <a:rot lat="4200000" lon="1800000" rev="1800000"/>
+            </a:camera>
+            <a:lightRig rig="threePt" dir="t"/>
+          </a:scene3d>
+        </p:spPr>
+        <p:style>
+          <a:lnRef idx="2">
+            <a:schemeClr val="accent1">
+              <a:shade val="50000"/>
+            </a:schemeClr>
+          </a:lnRef>
+          <a:fillRef idx="1">
+            <a:schemeClr val="accent1"/>
+          </a:fillRef>
+          <a:effectRef idx="0">
+            <a:schemeClr val="accent1"/>
+          </a:effectRef>
+          <a:fontRef idx="minor">
+            <a:schemeClr val="lt1"/>
+          </a:fontRef>
+        </p:style>
+        <p:txBody>
+          <a:bodyPr rtlCol="0" anchor="ctr"/>
+          <a:lstStyle/>
+          <a:p>
+            <a:pPr algn="ctr"/>
+            <a:endParaRPr kumimoji="1" lang="ja-JP" altLang="en-US" dirty="0"/>
+          </a:p>
+        </p:txBody>
+      </p:sp>
+      <p:grpSp>
+        <p:nvGrpSpPr>
+          <p:cNvPr id="8" name="グループ化 7">
+            <a:extLst>
+              <a:ext uri="{FF2B5EF4-FFF2-40B4-BE49-F238E27FC236}">
+                <a16:creationId xmlns:a16="http://schemas.microsoft.com/office/drawing/2014/main" id="{3523F634-FC60-4F7C-9678-9ABD4D784114}"/>
+              </a:ext>
+            </a:extLst>
+          </p:cNvPr>
+          <p:cNvGrpSpPr/>
+          <p:nvPr/>
+        </p:nvGrpSpPr>
+        <p:grpSpPr>
+          <a:xfrm>
+            <a:off x="2643189" y="1194136"/>
+            <a:ext cx="6646203" cy="4685963"/>
+            <a:chOff x="2592389" y="1359236"/>
+            <a:chExt cx="6646203" cy="4685963"/>
+          </a:xfrm>
+        </p:grpSpPr>
+        <p:sp>
+          <p:nvSpPr>
+            <p:cNvPr id="9" name="円柱 8">
+              <a:extLst>
+                <a:ext uri="{FF2B5EF4-FFF2-40B4-BE49-F238E27FC236}">
+                  <a16:creationId xmlns:a16="http://schemas.microsoft.com/office/drawing/2014/main" id="{B47FC069-EAE0-4750-9D39-E6F4C1C1BCDC}"/>
+                </a:ext>
+              </a:extLst>
+            </p:cNvPr>
+            <p:cNvSpPr/>
+            <p:nvPr/>
+          </p:nvSpPr>
+          <p:spPr>
+            <a:xfrm>
+              <a:off x="4278923" y="1721534"/>
+              <a:ext cx="3634154" cy="2614246"/>
+            </a:xfrm>
+            <a:prstGeom prst="can">
+              <a:avLst/>
+            </a:prstGeom>
+            <a:solidFill>
+              <a:schemeClr val="accent4">
+                <a:lumMod val="40000"/>
+                <a:lumOff val="60000"/>
+              </a:schemeClr>
+            </a:solidFill>
+            <a:ln w="38100">
+              <a:solidFill>
+                <a:schemeClr val="accent1"/>
+              </a:solidFill>
+            </a:ln>
+          </p:spPr>
+          <p:style>
+            <a:lnRef idx="2">
+              <a:schemeClr val="accent1">
+                <a:shade val="50000"/>
+              </a:schemeClr>
+            </a:lnRef>
+            <a:fillRef idx="1">
+              <a:schemeClr val="accent1"/>
+            </a:fillRef>
+            <a:effectRef idx="0">
+              <a:schemeClr val="accent1"/>
+            </a:effectRef>
+            <a:fontRef idx="minor">
+              <a:schemeClr val="lt1"/>
+            </a:fontRef>
+          </p:style>
+          <p:txBody>
+            <a:bodyPr rtlCol="0" anchor="ctr"/>
+            <a:lstStyle/>
+            <a:p>
+              <a:pPr algn="ctr"/>
+              <a:endParaRPr kumimoji="1" lang="ja-JP" altLang="en-US" dirty="0"/>
+            </a:p>
+          </p:txBody>
+        </p:sp>
+        <p:sp>
+          <p:nvSpPr>
+            <p:cNvPr id="10" name="楕円 9">
+              <a:extLst>
+                <a:ext uri="{FF2B5EF4-FFF2-40B4-BE49-F238E27FC236}">
+                  <a16:creationId xmlns:a16="http://schemas.microsoft.com/office/drawing/2014/main" id="{82C9FF8E-7256-4939-84A7-522F3DE4E6E6}"/>
+                </a:ext>
+              </a:extLst>
+            </p:cNvPr>
+            <p:cNvSpPr/>
+            <p:nvPr/>
+          </p:nvSpPr>
+          <p:spPr>
+            <a:xfrm>
+              <a:off x="4278923" y="3702734"/>
+              <a:ext cx="3634153" cy="633046"/>
+            </a:xfrm>
+            <a:prstGeom prst="ellipse">
+              <a:avLst/>
+            </a:prstGeom>
+            <a:solidFill>
+              <a:schemeClr val="accent4">
+                <a:lumMod val="20000"/>
+                <a:lumOff val="80000"/>
+                <a:alpha val="40000"/>
+              </a:schemeClr>
+            </a:solidFill>
+            <a:ln>
+              <a:solidFill>
+                <a:schemeClr val="accent1"/>
+              </a:solidFill>
+              <a:prstDash val="dash"/>
+            </a:ln>
+          </p:spPr>
+          <p:style>
+            <a:lnRef idx="2">
+              <a:schemeClr val="accent1">
+                <a:shade val="50000"/>
+              </a:schemeClr>
+            </a:lnRef>
+            <a:fillRef idx="1">
+              <a:schemeClr val="accent1"/>
+            </a:fillRef>
+            <a:effectRef idx="0">
+              <a:schemeClr val="accent1"/>
+            </a:effectRef>
+            <a:fontRef idx="minor">
+              <a:schemeClr val="lt1"/>
+            </a:fontRef>
+          </p:style>
+          <p:txBody>
+            <a:bodyPr rtlCol="0" anchor="ctr"/>
+            <a:lstStyle/>
+            <a:p>
+              <a:pPr algn="ctr"/>
+              <a:endParaRPr kumimoji="1" lang="ja-JP" altLang="en-US"/>
+            </a:p>
+          </p:txBody>
+        </p:sp>
+        <p:sp>
+          <p:nvSpPr>
+            <p:cNvPr id="11" name="楕円 10">
+              <a:extLst>
+                <a:ext uri="{FF2B5EF4-FFF2-40B4-BE49-F238E27FC236}">
+                  <a16:creationId xmlns:a16="http://schemas.microsoft.com/office/drawing/2014/main" id="{074ACBB4-381F-4829-9CA1-7B0253248680}"/>
+                </a:ext>
+              </a:extLst>
+            </p:cNvPr>
+            <p:cNvSpPr/>
+            <p:nvPr/>
+          </p:nvSpPr>
+          <p:spPr>
+            <a:xfrm>
+              <a:off x="6540500" y="2553384"/>
+              <a:ext cx="317500" cy="317500"/>
+            </a:xfrm>
+            <a:prstGeom prst="ellipse">
+              <a:avLst/>
+            </a:prstGeom>
+            <a:solidFill>
+              <a:schemeClr val="accent1">
+                <a:alpha val="70000"/>
+              </a:schemeClr>
+            </a:solidFill>
+            <a:ln>
+              <a:solidFill>
+                <a:schemeClr val="accent1"/>
+              </a:solidFill>
+            </a:ln>
+          </p:spPr>
+          <p:style>
+            <a:lnRef idx="2">
+              <a:schemeClr val="accent1">
+                <a:shade val="50000"/>
+              </a:schemeClr>
+            </a:lnRef>
+            <a:fillRef idx="1">
+              <a:schemeClr val="accent1"/>
+            </a:fillRef>
+            <a:effectRef idx="0">
+              <a:schemeClr val="accent1"/>
+            </a:effectRef>
+            <a:fontRef idx="minor">
+              <a:schemeClr val="lt1"/>
+            </a:fontRef>
+          </p:style>
+          <p:txBody>
+            <a:bodyPr rtlCol="0" anchor="ctr"/>
+            <a:lstStyle/>
+            <a:p>
+              <a:pPr algn="ctr"/>
+              <a:endParaRPr kumimoji="1" lang="ja-JP" altLang="en-US"/>
+            </a:p>
+          </p:txBody>
+        </p:sp>
+        <p:cxnSp>
+          <p:nvCxnSpPr>
+            <p:cNvPr id="12" name="直線矢印コネクタ 11">
+              <a:extLst>
+                <a:ext uri="{FF2B5EF4-FFF2-40B4-BE49-F238E27FC236}">
+                  <a16:creationId xmlns:a16="http://schemas.microsoft.com/office/drawing/2014/main" id="{E9EDDAF1-85D8-4978-BB73-ABA7A8B30638}"/>
+                </a:ext>
+              </a:extLst>
+            </p:cNvPr>
+            <p:cNvCxnSpPr/>
+            <p:nvPr/>
+          </p:nvCxnSpPr>
+          <p:spPr>
+            <a:xfrm flipH="1">
+              <a:off x="5765262" y="2691716"/>
+              <a:ext cx="933450" cy="499159"/>
+            </a:xfrm>
+            <a:prstGeom prst="straightConnector1">
+              <a:avLst/>
+            </a:prstGeom>
+            <a:ln w="28575">
+              <a:tailEnd type="triangle"/>
+            </a:ln>
+          </p:spPr>
+          <p:style>
+            <a:lnRef idx="1">
+              <a:schemeClr val="accent1"/>
+            </a:lnRef>
+            <a:fillRef idx="0">
+              <a:schemeClr val="accent1"/>
+            </a:fillRef>
+            <a:effectRef idx="0">
+              <a:schemeClr val="accent1"/>
+            </a:effectRef>
+            <a:fontRef idx="minor">
+              <a:schemeClr val="tx1"/>
+            </a:fontRef>
+          </p:style>
+        </p:cxnSp>
+        <p:cxnSp>
+          <p:nvCxnSpPr>
+            <p:cNvPr id="13" name="直線矢印コネクタ 12">
+              <a:extLst>
+                <a:ext uri="{FF2B5EF4-FFF2-40B4-BE49-F238E27FC236}">
+                  <a16:creationId xmlns:a16="http://schemas.microsoft.com/office/drawing/2014/main" id="{060962FF-CE13-4C7D-AEE1-C454ADCE9259}"/>
+                </a:ext>
+              </a:extLst>
+            </p:cNvPr>
+            <p:cNvCxnSpPr>
+              <a:cxnSpLocks/>
+            </p:cNvCxnSpPr>
+            <p:nvPr/>
+          </p:nvCxnSpPr>
+          <p:spPr>
+            <a:xfrm>
+              <a:off x="6698712" y="2691716"/>
+              <a:ext cx="0" cy="499159"/>
+            </a:xfrm>
+            <a:prstGeom prst="straightConnector1">
+              <a:avLst/>
+            </a:prstGeom>
+            <a:ln w="28575">
+              <a:tailEnd type="triangle"/>
+            </a:ln>
+          </p:spPr>
+          <p:style>
+            <a:lnRef idx="1">
+              <a:schemeClr val="accent1"/>
+            </a:lnRef>
+            <a:fillRef idx="0">
+              <a:schemeClr val="accent1"/>
+            </a:fillRef>
+            <a:effectRef idx="0">
+              <a:schemeClr val="accent1"/>
+            </a:effectRef>
+            <a:fontRef idx="minor">
+              <a:schemeClr val="tx1"/>
+            </a:fontRef>
+          </p:style>
+        </p:cxnSp>
+        <p:sp>
+          <p:nvSpPr>
+            <p:cNvPr id="14" name="円弧 13">
+              <a:extLst>
+                <a:ext uri="{FF2B5EF4-FFF2-40B4-BE49-F238E27FC236}">
+                  <a16:creationId xmlns:a16="http://schemas.microsoft.com/office/drawing/2014/main" id="{BBABF80F-DB8D-4B7D-9B78-B7C26914EDF4}"/>
+                </a:ext>
+              </a:extLst>
+            </p:cNvPr>
+            <p:cNvSpPr/>
+            <p:nvPr/>
+          </p:nvSpPr>
+          <p:spPr>
+            <a:xfrm>
+              <a:off x="5628126" y="4161056"/>
+              <a:ext cx="1229873" cy="1884143"/>
+            </a:xfrm>
+            <a:prstGeom prst="arc">
+              <a:avLst/>
+            </a:prstGeom>
+            <a:ln>
+              <a:headEnd type="arrow" w="med" len="med"/>
+              <a:tailEnd type="none" w="med" len="med"/>
+            </a:ln>
+          </p:spPr>
+          <p:style>
+            <a:lnRef idx="1">
+              <a:schemeClr val="accent1"/>
+            </a:lnRef>
+            <a:fillRef idx="0">
+              <a:schemeClr val="accent1"/>
+            </a:fillRef>
+            <a:effectRef idx="0">
+              <a:schemeClr val="accent1"/>
+            </a:effectRef>
+            <a:fontRef idx="minor">
+              <a:schemeClr val="tx1"/>
+            </a:fontRef>
+          </p:style>
+          <p:txBody>
+            <a:bodyPr rtlCol="0" anchor="ctr"/>
+            <a:lstStyle/>
+            <a:p>
+              <a:pPr algn="ctr"/>
+              <a:endParaRPr kumimoji="1" lang="ja-JP" altLang="en-US"/>
+            </a:p>
+          </p:txBody>
+        </p:sp>
+        <p:sp>
+          <p:nvSpPr>
+            <p:cNvPr id="15" name="テキスト ボックス 14">
+              <a:extLst>
+                <a:ext uri="{FF2B5EF4-FFF2-40B4-BE49-F238E27FC236}">
+                  <a16:creationId xmlns:a16="http://schemas.microsoft.com/office/drawing/2014/main" id="{43376818-0C53-49F9-8D37-0B40A724B9F5}"/>
+                </a:ext>
+              </a:extLst>
+            </p:cNvPr>
+            <p:cNvSpPr txBox="1"/>
+            <p:nvPr/>
+          </p:nvSpPr>
+          <p:spPr>
+            <a:xfrm>
+              <a:off x="6410893" y="5060504"/>
+              <a:ext cx="854721" cy="369332"/>
+            </a:xfrm>
+            <a:prstGeom prst="rect">
+              <a:avLst/>
+            </a:prstGeom>
+            <a:noFill/>
+          </p:spPr>
+          <p:txBody>
+            <a:bodyPr wrap="none" rtlCol="0">
+              <a:spAutoFit/>
+            </a:bodyPr>
+            <a:lstStyle/>
+            <a:p>
+              <a:r>
+                <a:rPr kumimoji="1" lang="ja-JP" altLang="en-US" dirty="0">
+                  <a:latin typeface="Segoe UI" panose="020B0502040204020203" pitchFamily="34" charset="0"/>
+                  <a:cs typeface="Segoe UI" panose="020B0502040204020203" pitchFamily="34" charset="0"/>
+                </a:rPr>
+                <a:t>面積 </a:t>
+              </a:r>
+              <a:r>
+                <a:rPr kumimoji="1" lang="en-US" altLang="ja-JP" i="1" dirty="0">
+                  <a:latin typeface="Segoe UI" panose="020B0502040204020203" pitchFamily="34" charset="0"/>
+                  <a:cs typeface="Segoe UI" panose="020B0502040204020203" pitchFamily="34" charset="0"/>
+                </a:rPr>
+                <a:t>A</a:t>
+              </a:r>
+              <a:endParaRPr kumimoji="1" lang="ja-JP" altLang="en-US" i="1" dirty="0">
+                <a:latin typeface="Segoe UI" panose="020B0502040204020203" pitchFamily="34" charset="0"/>
+                <a:cs typeface="Segoe UI" panose="020B0502040204020203" pitchFamily="34" charset="0"/>
+              </a:endParaRPr>
+            </a:p>
+          </p:txBody>
+        </p:sp>
+        <p:sp>
+          <p:nvSpPr>
+            <p:cNvPr id="16" name="テキスト ボックス 15">
+              <a:extLst>
+                <a:ext uri="{FF2B5EF4-FFF2-40B4-BE49-F238E27FC236}">
+                  <a16:creationId xmlns:a16="http://schemas.microsoft.com/office/drawing/2014/main" id="{2008600D-FF6C-4960-8376-C273CD241BF5}"/>
+                </a:ext>
+              </a:extLst>
+            </p:cNvPr>
+            <p:cNvSpPr txBox="1"/>
+            <p:nvPr/>
+          </p:nvSpPr>
+          <p:spPr>
+            <a:xfrm>
+              <a:off x="7749361" y="1359236"/>
+              <a:ext cx="853119" cy="369332"/>
+            </a:xfrm>
+            <a:prstGeom prst="rect">
+              <a:avLst/>
+            </a:prstGeom>
+            <a:noFill/>
+          </p:spPr>
+          <p:txBody>
+            <a:bodyPr wrap="none" rtlCol="0">
+              <a:spAutoFit/>
+            </a:bodyPr>
+            <a:lstStyle/>
+            <a:p>
+              <a:r>
+                <a:rPr kumimoji="1" lang="ja-JP" altLang="en-US" dirty="0">
+                  <a:latin typeface="Segoe UI" panose="020B0502040204020203" pitchFamily="34" charset="0"/>
+                  <a:cs typeface="Segoe UI" panose="020B0502040204020203" pitchFamily="34" charset="0"/>
+                </a:rPr>
+                <a:t>体積 </a:t>
+              </a:r>
+              <a:r>
+                <a:rPr kumimoji="1" lang="en-US" altLang="ja-JP" i="1" dirty="0">
+                  <a:latin typeface="Segoe UI" panose="020B0502040204020203" pitchFamily="34" charset="0"/>
+                  <a:cs typeface="Segoe UI" panose="020B0502040204020203" pitchFamily="34" charset="0"/>
+                </a:rPr>
+                <a:t>V</a:t>
+              </a:r>
+              <a:endParaRPr kumimoji="1" lang="ja-JP" altLang="en-US" i="1" dirty="0">
+                <a:latin typeface="Segoe UI" panose="020B0502040204020203" pitchFamily="34" charset="0"/>
+                <a:cs typeface="Segoe UI" panose="020B0502040204020203" pitchFamily="34" charset="0"/>
+              </a:endParaRPr>
+            </a:p>
+          </p:txBody>
+        </p:sp>
+        <p:sp>
+          <p:nvSpPr>
+            <p:cNvPr id="17" name="円弧 16">
+              <a:extLst>
+                <a:ext uri="{FF2B5EF4-FFF2-40B4-BE49-F238E27FC236}">
+                  <a16:creationId xmlns:a16="http://schemas.microsoft.com/office/drawing/2014/main" id="{A45C9770-CC8B-4769-8547-741BEFE5DBDC}"/>
+                </a:ext>
+              </a:extLst>
+            </p:cNvPr>
+            <p:cNvSpPr/>
+            <p:nvPr/>
+          </p:nvSpPr>
+          <p:spPr>
+            <a:xfrm rot="17402895">
+              <a:off x="6891750" y="1098596"/>
+              <a:ext cx="1229873" cy="1884143"/>
+            </a:xfrm>
+            <a:prstGeom prst="arc">
+              <a:avLst/>
+            </a:prstGeom>
+            <a:ln>
+              <a:headEnd type="arrow" w="med" len="med"/>
+              <a:tailEnd type="none" w="med" len="med"/>
+            </a:ln>
+          </p:spPr>
+          <p:style>
+            <a:lnRef idx="1">
+              <a:schemeClr val="accent1"/>
+            </a:lnRef>
+            <a:fillRef idx="0">
+              <a:schemeClr val="accent1"/>
+            </a:fillRef>
+            <a:effectRef idx="0">
+              <a:schemeClr val="accent1"/>
+            </a:effectRef>
+            <a:fontRef idx="minor">
+              <a:schemeClr val="tx1"/>
+            </a:fontRef>
+          </p:style>
+          <p:txBody>
+            <a:bodyPr rtlCol="0" anchor="ctr"/>
+            <a:lstStyle/>
+            <a:p>
+              <a:pPr algn="ctr"/>
+              <a:endParaRPr kumimoji="1" lang="ja-JP" altLang="en-US"/>
+            </a:p>
+          </p:txBody>
+        </p:sp>
+        <p:sp>
+          <p:nvSpPr>
+            <p:cNvPr id="18" name="正方形/長方形 17">
+              <a:extLst>
+                <a:ext uri="{FF2B5EF4-FFF2-40B4-BE49-F238E27FC236}">
+                  <a16:creationId xmlns:a16="http://schemas.microsoft.com/office/drawing/2014/main" id="{4C264233-3985-490C-B54E-FE3CBF0F2329}"/>
+                </a:ext>
+              </a:extLst>
+            </p:cNvPr>
+            <p:cNvSpPr/>
+            <p:nvPr/>
+          </p:nvSpPr>
+          <p:spPr>
+            <a:xfrm>
+              <a:off x="5456266" y="2978010"/>
+              <a:ext cx="402674" cy="646331"/>
+            </a:xfrm>
+            <a:prstGeom prst="rect">
+              <a:avLst/>
+            </a:prstGeom>
+          </p:spPr>
+          <p:txBody>
+            <a:bodyPr wrap="none">
+              <a:spAutoFit/>
+            </a:bodyPr>
+            <a:lstStyle/>
+            <a:p>
+              <a:r>
+                <a:rPr lang="en-US" altLang="ja-JP" sz="3600" i="1" dirty="0">
+                  <a:latin typeface="Segoe UI" panose="020B0502040204020203" pitchFamily="34" charset="0"/>
+                  <a:cs typeface="Segoe UI" panose="020B0502040204020203" pitchFamily="34" charset="0"/>
+                </a:rPr>
+                <a:t>v</a:t>
+              </a:r>
+              <a:endParaRPr lang="ja-JP" altLang="en-US" sz="3600" dirty="0"/>
+            </a:p>
+          </p:txBody>
+        </p:sp>
+        <p:sp>
+          <p:nvSpPr>
+            <p:cNvPr id="19" name="正方形/長方形 18">
+              <a:extLst>
+                <a:ext uri="{FF2B5EF4-FFF2-40B4-BE49-F238E27FC236}">
+                  <a16:creationId xmlns:a16="http://schemas.microsoft.com/office/drawing/2014/main" id="{FCD06DC2-D51F-4113-AC82-BDB285E7F8DA}"/>
+                </a:ext>
+              </a:extLst>
+            </p:cNvPr>
+            <p:cNvSpPr/>
+            <p:nvPr/>
+          </p:nvSpPr>
+          <p:spPr>
+            <a:xfrm>
+              <a:off x="6701883" y="2950260"/>
+              <a:ext cx="542136" cy="646331"/>
+            </a:xfrm>
+            <a:prstGeom prst="rect">
+              <a:avLst/>
+            </a:prstGeom>
+          </p:spPr>
+          <p:txBody>
+            <a:bodyPr wrap="none">
+              <a:spAutoFit/>
+            </a:bodyPr>
+            <a:lstStyle/>
+            <a:p>
+              <a:r>
+                <a:rPr lang="en-US" altLang="ja-JP" sz="3600" i="1" dirty="0" err="1">
+                  <a:latin typeface="Segoe UI" panose="020B0502040204020203" pitchFamily="34" charset="0"/>
+                  <a:cs typeface="Segoe UI" panose="020B0502040204020203" pitchFamily="34" charset="0"/>
+                </a:rPr>
+                <a:t>v</a:t>
+              </a:r>
+              <a:r>
+                <a:rPr lang="en-US" altLang="ja-JP" sz="3600" baseline="-25000" dirty="0" err="1">
+                  <a:latin typeface="Segoe UI" panose="020B0502040204020203" pitchFamily="34" charset="0"/>
+                  <a:cs typeface="Segoe UI" panose="020B0502040204020203" pitchFamily="34" charset="0"/>
+                </a:rPr>
+                <a:t>x</a:t>
+              </a:r>
+              <a:endParaRPr lang="ja-JP" altLang="en-US" sz="3600" baseline="-25000" dirty="0"/>
+            </a:p>
+          </p:txBody>
+        </p:sp>
+        <p:cxnSp>
+          <p:nvCxnSpPr>
+            <p:cNvPr id="20" name="直線矢印コネクタ 19">
+              <a:extLst>
+                <a:ext uri="{FF2B5EF4-FFF2-40B4-BE49-F238E27FC236}">
+                  <a16:creationId xmlns:a16="http://schemas.microsoft.com/office/drawing/2014/main" id="{E44C949D-52EC-4D53-BB85-E69140FD4CB6}"/>
+                </a:ext>
+              </a:extLst>
+            </p:cNvPr>
+            <p:cNvCxnSpPr>
+              <a:cxnSpLocks/>
+            </p:cNvCxnSpPr>
+            <p:nvPr/>
+          </p:nvCxnSpPr>
+          <p:spPr>
+            <a:xfrm>
+              <a:off x="3687493" y="4173756"/>
+              <a:ext cx="0" cy="1620829"/>
+            </a:xfrm>
+            <a:prstGeom prst="straightConnector1">
+              <a:avLst/>
+            </a:prstGeom>
+            <a:ln w="38100">
+              <a:tailEnd type="triangle"/>
+            </a:ln>
+          </p:spPr>
+          <p:style>
+            <a:lnRef idx="1">
+              <a:schemeClr val="accent1"/>
+            </a:lnRef>
+            <a:fillRef idx="0">
+              <a:schemeClr val="accent1"/>
+            </a:fillRef>
+            <a:effectRef idx="0">
+              <a:schemeClr val="accent1"/>
+            </a:effectRef>
+            <a:fontRef idx="minor">
+              <a:schemeClr val="tx1"/>
+            </a:fontRef>
+          </p:style>
+        </p:cxnSp>
+        <p:sp>
+          <p:nvSpPr>
+            <p:cNvPr id="21" name="正方形/長方形 20">
+              <a:extLst>
+                <a:ext uri="{FF2B5EF4-FFF2-40B4-BE49-F238E27FC236}">
+                  <a16:creationId xmlns:a16="http://schemas.microsoft.com/office/drawing/2014/main" id="{24D854F2-C71A-437D-B7C4-88EA94C9B393}"/>
+                </a:ext>
+              </a:extLst>
+            </p:cNvPr>
+            <p:cNvSpPr/>
+            <p:nvPr/>
+          </p:nvSpPr>
+          <p:spPr>
+            <a:xfrm>
+              <a:off x="2592389" y="4733602"/>
+              <a:ext cx="1097950" cy="400110"/>
+            </a:xfrm>
+            <a:prstGeom prst="rect">
+              <a:avLst/>
+            </a:prstGeom>
+          </p:spPr>
+          <p:txBody>
+            <a:bodyPr wrap="square">
+              <a:spAutoFit/>
+            </a:bodyPr>
+            <a:lstStyle/>
+            <a:p>
+              <a:r>
+                <a:rPr lang="ja-JP" altLang="en-US" sz="2000" dirty="0"/>
+                <a:t>ポンプ</a:t>
+              </a:r>
+            </a:p>
+          </p:txBody>
+        </p:sp>
+        <p:sp>
+          <p:nvSpPr>
+            <p:cNvPr id="22" name="左中かっこ 21">
+              <a:extLst>
+                <a:ext uri="{FF2B5EF4-FFF2-40B4-BE49-F238E27FC236}">
+                  <a16:creationId xmlns:a16="http://schemas.microsoft.com/office/drawing/2014/main" id="{2D96A667-7ADC-422D-B7F0-7490B3BA42D5}"/>
+                </a:ext>
+              </a:extLst>
+            </p:cNvPr>
+            <p:cNvSpPr/>
+            <p:nvPr/>
+          </p:nvSpPr>
+          <p:spPr>
+            <a:xfrm flipH="1">
+              <a:off x="7943787" y="1930400"/>
+              <a:ext cx="406420" cy="2243356"/>
+            </a:xfrm>
+            <a:prstGeom prst="leftBrace">
+              <a:avLst/>
+            </a:prstGeom>
+            <a:ln w="19050"/>
+          </p:spPr>
+          <p:style>
+            <a:lnRef idx="1">
+              <a:schemeClr val="accent1"/>
+            </a:lnRef>
+            <a:fillRef idx="0">
+              <a:schemeClr val="accent1"/>
+            </a:fillRef>
+            <a:effectRef idx="0">
+              <a:schemeClr val="accent1"/>
+            </a:effectRef>
+            <a:fontRef idx="minor">
+              <a:schemeClr val="tx1"/>
+            </a:fontRef>
+          </p:style>
+          <p:txBody>
+            <a:bodyPr rtlCol="0" anchor="ctr"/>
+            <a:lstStyle/>
+            <a:p>
+              <a:pPr algn="ctr"/>
+              <a:endParaRPr kumimoji="1" lang="ja-JP" altLang="en-US"/>
+            </a:p>
+          </p:txBody>
+        </p:sp>
+        <p:sp>
+          <p:nvSpPr>
+            <p:cNvPr id="23" name="正方形/長方形 22">
+              <a:extLst>
+                <a:ext uri="{FF2B5EF4-FFF2-40B4-BE49-F238E27FC236}">
+                  <a16:creationId xmlns:a16="http://schemas.microsoft.com/office/drawing/2014/main" id="{2B89BE83-C204-4FD6-986A-EE9875405E83}"/>
+                </a:ext>
+              </a:extLst>
+            </p:cNvPr>
+            <p:cNvSpPr/>
+            <p:nvPr/>
+          </p:nvSpPr>
+          <p:spPr>
+            <a:xfrm>
+              <a:off x="8350207" y="2737124"/>
+              <a:ext cx="888385" cy="584775"/>
+            </a:xfrm>
+            <a:prstGeom prst="rect">
+              <a:avLst/>
+            </a:prstGeom>
+          </p:spPr>
+          <p:txBody>
+            <a:bodyPr wrap="none">
+              <a:spAutoFit/>
+            </a:bodyPr>
+            <a:lstStyle/>
+            <a:p>
+              <a:r>
+                <a:rPr lang="en-US" altLang="ja-JP" sz="3200" i="1" dirty="0" err="1">
+                  <a:latin typeface="Segoe UI" panose="020B0502040204020203" pitchFamily="34" charset="0"/>
+                  <a:cs typeface="Segoe UI" panose="020B0502040204020203" pitchFamily="34" charset="0"/>
+                </a:rPr>
+                <a:t>v</a:t>
+              </a:r>
+              <a:r>
+                <a:rPr lang="en-US" altLang="ja-JP" sz="3200" baseline="-25000" dirty="0" err="1">
+                  <a:latin typeface="Segoe UI" panose="020B0502040204020203" pitchFamily="34" charset="0"/>
+                  <a:cs typeface="Segoe UI" panose="020B0502040204020203" pitchFamily="34" charset="0"/>
+                </a:rPr>
+                <a:t>x</a:t>
+              </a:r>
+              <a:r>
+                <a:rPr lang="en-US" altLang="ja-JP" sz="3200" i="1" dirty="0" err="1">
+                  <a:latin typeface="Symbol" panose="05050102010706020507" pitchFamily="18" charset="2"/>
+                  <a:cs typeface="Segoe UI" panose="020B0502040204020203" pitchFamily="34" charset="0"/>
+                </a:rPr>
+                <a:t>D</a:t>
+              </a:r>
+              <a:r>
+                <a:rPr lang="en-US" altLang="ja-JP" sz="3200" i="1" dirty="0" err="1">
+                  <a:latin typeface="Segoe UI" panose="020B0502040204020203" pitchFamily="34" charset="0"/>
+                  <a:cs typeface="Segoe UI" panose="020B0502040204020203" pitchFamily="34" charset="0"/>
+                </a:rPr>
+                <a:t>t</a:t>
+              </a:r>
+              <a:endParaRPr lang="ja-JP" altLang="en-US" sz="3200" baseline="-25000" dirty="0"/>
+            </a:p>
+          </p:txBody>
+        </p:sp>
+      </p:grpSp>
+      <p:cxnSp>
+        <p:nvCxnSpPr>
+          <p:cNvPr id="26" name="直線矢印コネクタ 25">
+            <a:extLst>
+              <a:ext uri="{FF2B5EF4-FFF2-40B4-BE49-F238E27FC236}">
+                <a16:creationId xmlns:a16="http://schemas.microsoft.com/office/drawing/2014/main" id="{E7CFEBBC-CDD7-4945-9959-923765F9BCBA}"/>
+              </a:ext>
+            </a:extLst>
+          </p:cNvPr>
+          <p:cNvCxnSpPr>
+            <a:cxnSpLocks/>
+          </p:cNvCxnSpPr>
+          <p:nvPr/>
+        </p:nvCxnSpPr>
+        <p:spPr>
+          <a:xfrm>
+            <a:off x="3745327" y="2317734"/>
+            <a:ext cx="0" cy="1620829"/>
+          </a:xfrm>
+          <a:prstGeom prst="straightConnector1">
+            <a:avLst/>
+          </a:prstGeom>
+          <a:ln w="38100">
+            <a:headEnd type="arrow" w="med" len="med"/>
+            <a:tailEnd type="none" w="med" len="med"/>
+          </a:ln>
+        </p:spPr>
+        <p:style>
+          <a:lnRef idx="1">
+            <a:schemeClr val="accent1"/>
+          </a:lnRef>
+          <a:fillRef idx="0">
+            <a:schemeClr val="accent1"/>
+          </a:fillRef>
+          <a:effectRef idx="0">
+            <a:schemeClr val="accent1"/>
+          </a:effectRef>
+          <a:fontRef idx="minor">
+            <a:schemeClr val="tx1"/>
+          </a:fontRef>
+        </p:style>
+      </p:cxnSp>
+      <p:sp>
+        <p:nvSpPr>
+          <p:cNvPr id="27" name="正方形/長方形 26">
+            <a:extLst>
+              <a:ext uri="{FF2B5EF4-FFF2-40B4-BE49-F238E27FC236}">
+                <a16:creationId xmlns:a16="http://schemas.microsoft.com/office/drawing/2014/main" id="{E3825CFB-6999-4B58-BA81-78DF49180CCC}"/>
+              </a:ext>
+            </a:extLst>
+          </p:cNvPr>
+          <p:cNvSpPr/>
+          <p:nvPr/>
+        </p:nvSpPr>
+        <p:spPr>
+          <a:xfrm>
+            <a:off x="2664008" y="2600335"/>
+            <a:ext cx="1097950" cy="400110"/>
+          </a:xfrm>
+          <a:prstGeom prst="rect">
+            <a:avLst/>
+          </a:prstGeom>
+        </p:spPr>
+        <p:txBody>
+          <a:bodyPr wrap="square">
+            <a:spAutoFit/>
+          </a:bodyPr>
+          <a:lstStyle/>
+          <a:p>
+            <a:r>
+              <a:rPr lang="ja-JP" altLang="en-US" sz="2000" dirty="0"/>
+              <a:t>真空槽</a:t>
+            </a:r>
+          </a:p>
+        </p:txBody>
+      </p:sp>
+    </p:spTree>
+    <p:extLst>
+      <p:ext uri="{BB962C8B-B14F-4D97-AF65-F5344CB8AC3E}">
+        <p14:creationId xmlns:p14="http://schemas.microsoft.com/office/powerpoint/2010/main" val="2969586061"/>
+      </p:ext>
+    </p:extLst>
+  </p:cSld>
+  <p:clrMapOvr>
+    <a:masterClrMapping/>
+  </p:clrMapOvr>
+</p:sld>
+</file>
+
 <file path=ppt/theme/theme1.xml><?xml version="1.0" encoding="utf-8"?>
 <a:theme xmlns:a="http://schemas.openxmlformats.org/drawingml/2006/main" name="Office テーマ">
   <a:themeElements>
